--- a/FINAL-1.pptx
+++ b/FINAL-1.pptx
@@ -1945,7 +1945,7 @@
         <a:p>
           <a:r>
             <a:rPr lang="en-GB" sz="3200" dirty="0"/>
-            <a:t>BA</a:t>
+            <a:t>Secretary	</a:t>
           </a:r>
         </a:p>
       </dgm:t>
@@ -1981,7 +1981,7 @@
         <a:p>
           <a:r>
             <a:rPr lang="en-GB" sz="3200" dirty="0"/>
-            <a:t>Developer</a:t>
+            <a:t>Front-end Dev</a:t>
           </a:r>
         </a:p>
       </dgm:t>
@@ -2017,7 +2017,7 @@
         <a:p>
           <a:r>
             <a:rPr lang="en-GB" sz="3200" dirty="0"/>
-            <a:t>QA</a:t>
+            <a:t>Back-end Dev</a:t>
           </a:r>
         </a:p>
       </dgm:t>
@@ -2806,7 +2806,7 @@
           </a:pPr>
           <a:r>
             <a:rPr lang="en-GB" sz="3200" kern="1200" dirty="0"/>
-            <a:t>BA</a:t>
+            <a:t>Secretary	</a:t>
           </a:r>
         </a:p>
       </dsp:txBody>
@@ -2902,7 +2902,7 @@
           </a:pPr>
           <a:r>
             <a:rPr lang="en-GB" sz="3200" kern="1200" dirty="0"/>
-            <a:t>Developer</a:t>
+            <a:t>Front-end Dev</a:t>
           </a:r>
         </a:p>
       </dsp:txBody>
@@ -2998,7 +2998,7 @@
           </a:pPr>
           <a:r>
             <a:rPr lang="en-GB" sz="3200" kern="1200" dirty="0"/>
-            <a:t>QA</a:t>
+            <a:t>Back-end Dev</a:t>
           </a:r>
         </a:p>
       </dsp:txBody>
@@ -6846,7 +6846,7 @@
             <a:fld id="{D36CF0C6-0466-4ADB-85AE-983045F2A7A5}" type="datetimeFigureOut">
               <a:rPr lang="en-US"/>
               <a:pPr/>
-              <a:t>6/18/2020</a:t>
+              <a:t>6/19/2020</a:t>
             </a:fld>
             <a:endParaRPr lang="en-GB"/>
           </a:p>
@@ -7373,7 +7373,7 @@
             <a:fld id="{CBDD21F6-3EEB-4C26-BD82-9533952E12D7}" type="slidenum">
               <a:rPr lang="en-GB"/>
               <a:pPr/>
-              <a:t>17</a:t>
+              <a:t>21</a:t>
             </a:fld>
             <a:endParaRPr lang="en-GB"/>
           </a:p>
@@ -7484,7 +7484,7 @@
             <a:fld id="{029660A4-654E-465D-845D-940102BA850A}" type="slidenum">
               <a:rPr lang="en-GB"/>
               <a:pPr/>
-              <a:t>18</a:t>
+              <a:t>22</a:t>
             </a:fld>
             <a:endParaRPr lang="en-GB"/>
           </a:p>
@@ -8493,7 +8493,7 @@
             <a:fld id="{CBDD21F6-3EEB-4C26-BD82-9533952E12D7}" type="slidenum">
               <a:rPr lang="en-GB"/>
               <a:pPr/>
-              <a:t>16</a:t>
+              <a:t>20</a:t>
             </a:fld>
             <a:endParaRPr lang="en-GB"/>
           </a:p>
@@ -8787,7 +8787,7 @@
             <a:fld id="{A7A9FE9F-E5EC-4D0E-9C7C-A571B8CD58E1}" type="datetimeFigureOut">
               <a:rPr lang="en-US" smtClean="0"/>
               <a:pPr/>
-              <a:t>6/18/2020</a:t>
+              <a:t>6/19/2020</a:t>
             </a:fld>
             <a:endParaRPr lang="en-GB"/>
           </a:p>
@@ -9180,7 +9180,7 @@
             <a:fld id="{3CC776A0-15FA-449C-9FC0-2E4017C3653C}" type="datetimeFigureOut">
               <a:rPr lang="en-US" smtClean="0"/>
               <a:pPr/>
-              <a:t>6/18/2020</a:t>
+              <a:t>6/19/2020</a:t>
             </a:fld>
             <a:endParaRPr lang="en-GB"/>
           </a:p>
@@ -9715,7 +9715,7 @@
             <a:fld id="{63783CB6-92AD-4988-BDD1-9285F1AC5B8B}" type="datetimeFigureOut">
               <a:rPr lang="en-US" smtClean="0"/>
               <a:pPr/>
-              <a:t>6/18/2020</a:t>
+              <a:t>6/19/2020</a:t>
             </a:fld>
             <a:endParaRPr lang="en-GB"/>
           </a:p>
@@ -9847,7 +9847,7 @@
             <a:fld id="{00D44BC3-6C21-4242-90E7-C70066D89085}" type="datetimeFigureOut">
               <a:rPr lang="en-US" smtClean="0"/>
               <a:pPr/>
-              <a:t>6/18/2020</a:t>
+              <a:t>6/19/2020</a:t>
             </a:fld>
             <a:endParaRPr lang="en-GB"/>
           </a:p>
@@ -10392,7 +10392,7 @@
             <a:fld id="{9CA15996-6109-4B15-91EA-7F2214BCE6CE}" type="datetimeFigureOut">
               <a:rPr lang="en-US" smtClean="0"/>
               <a:pPr/>
-              <a:t>6/18/2020</a:t>
+              <a:t>6/19/2020</a:t>
             </a:fld>
             <a:endParaRPr lang="en-GB"/>
           </a:p>
@@ -10687,7 +10687,7 @@
             <a:fld id="{43D503C7-296E-4931-AF03-8F6081A55980}" type="datetimeFigureOut">
               <a:rPr lang="en-US" smtClean="0"/>
               <a:pPr/>
-              <a:t>6/18/2020</a:t>
+              <a:t>6/19/2020</a:t>
             </a:fld>
             <a:endParaRPr lang="en-GB"/>
           </a:p>
@@ -11348,7 +11348,7 @@
             <a:fld id="{7D21C208-1BA2-411B-B3F5-C068C35B6FF1}" type="datetimeFigureOut">
               <a:rPr lang="en-US" smtClean="0"/>
               <a:pPr/>
-              <a:t>6/18/2020</a:t>
+              <a:t>6/19/2020</a:t>
             </a:fld>
             <a:endParaRPr lang="en-GB"/>
           </a:p>
@@ -11784,7 +11784,7 @@
             <a:fld id="{A0BBD098-174B-40CC-81C5-99E5CCAD813C}" type="datetimeFigureOut">
               <a:rPr lang="en-US" smtClean="0"/>
               <a:pPr/>
-              <a:t>6/18/2020</a:t>
+              <a:t>6/19/2020</a:t>
             </a:fld>
             <a:endParaRPr lang="en-GB"/>
           </a:p>
@@ -12099,7 +12099,7 @@
             <a:fld id="{AB756306-DB93-4888-A90A-6472F9498D5B}" type="datetimeFigureOut">
               <a:rPr lang="en-US" smtClean="0"/>
               <a:pPr/>
-              <a:t>6/18/2020</a:t>
+              <a:t>6/19/2020</a:t>
             </a:fld>
             <a:endParaRPr lang="en-GB"/>
           </a:p>
@@ -12833,7 +12833,7 @@
             <a:fld id="{AFDC3FAB-3191-4503-B26F-02441974C358}" type="datetimeFigureOut">
               <a:rPr lang="en-US" smtClean="0"/>
               <a:pPr/>
-              <a:t>6/18/2020</a:t>
+              <a:t>6/19/2020</a:t>
             </a:fld>
             <a:endParaRPr lang="en-GB"/>
           </a:p>
@@ -13498,7 +13498,7 @@
             <a:fld id="{B420FEA8-AE25-4AF0-AB9C-E8238CE6C6C3}" type="datetimeFigureOut">
               <a:rPr lang="en-US" smtClean="0"/>
               <a:pPr/>
-              <a:t>6/18/2020</a:t>
+              <a:t>6/19/2020</a:t>
             </a:fld>
             <a:endParaRPr lang="en-GB"/>
           </a:p>
@@ -13772,7 +13772,7 @@
             <a:fld id="{D72ED166-27BB-4129-80B3-64F1A5E95C66}" type="datetimeFigureOut">
               <a:rPr lang="en-US" smtClean="0"/>
               <a:pPr/>
-              <a:t>6/18/2020</a:t>
+              <a:t>6/19/2020</a:t>
             </a:fld>
             <a:endParaRPr lang="en-GB"/>
           </a:p>
@@ -17866,6 +17866,11 @@
           </p:cNvGraphicFramePr>
           <p:nvPr>
             <p:ph sz="quarter" idx="1"/>
+            <p:extLst>
+              <p:ext uri="{D42A27DB-BD31-4B8C-83A1-F6EECF244321}">
+                <p14:modId xmlns:p14="http://schemas.microsoft.com/office/powerpoint/2010/main" val="1388209413"/>
+              </p:ext>
+            </p:extLst>
           </p:nvPr>
         </p:nvGraphicFramePr>
         <p:xfrm>
